--- a/images/property_sale.pptx
+++ b/images/property_sale.pptx
@@ -6,8 +6,9 @@
   </p:sldMasterIdLst>
   <p:sldIdLst>
     <p:sldId id="258" r:id="rId2"/>
-    <p:sldId id="257" r:id="rId3"/>
-    <p:sldId id="259" r:id="rId4"/>
+    <p:sldId id="261" r:id="rId3"/>
+    <p:sldId id="260" r:id="rId4"/>
+    <p:sldId id="259" r:id="rId5"/>
   </p:sldIdLst>
   <p:sldSz cx="12192000" cy="6858000"/>
   <p:notesSz cx="6858000" cy="9144000"/>
@@ -261,7 +262,7 @@
           <a:p>
             <a:fld id="{EE5523E2-5D0D-1B46-8B78-D22549DBD23D}" type="datetimeFigureOut">
               <a:rPr lang="en-US" smtClean="0"/>
-              <a:t>3/3/22</a:t>
+              <a:t>6/1/22</a:t>
             </a:fld>
             <a:endParaRPr lang="en-US"/>
           </a:p>
@@ -459,7 +460,7 @@
           <a:p>
             <a:fld id="{EE5523E2-5D0D-1B46-8B78-D22549DBD23D}" type="datetimeFigureOut">
               <a:rPr lang="en-US" smtClean="0"/>
-              <a:t>3/3/22</a:t>
+              <a:t>6/1/22</a:t>
             </a:fld>
             <a:endParaRPr lang="en-US"/>
           </a:p>
@@ -667,7 +668,7 @@
           <a:p>
             <a:fld id="{EE5523E2-5D0D-1B46-8B78-D22549DBD23D}" type="datetimeFigureOut">
               <a:rPr lang="en-US" smtClean="0"/>
-              <a:t>3/3/22</a:t>
+              <a:t>6/1/22</a:t>
             </a:fld>
             <a:endParaRPr lang="en-US"/>
           </a:p>
@@ -865,7 +866,7 @@
           <a:p>
             <a:fld id="{EE5523E2-5D0D-1B46-8B78-D22549DBD23D}" type="datetimeFigureOut">
               <a:rPr lang="en-US" smtClean="0"/>
-              <a:t>3/3/22</a:t>
+              <a:t>6/1/22</a:t>
             </a:fld>
             <a:endParaRPr lang="en-US"/>
           </a:p>
@@ -1140,7 +1141,7 @@
           <a:p>
             <a:fld id="{EE5523E2-5D0D-1B46-8B78-D22549DBD23D}" type="datetimeFigureOut">
               <a:rPr lang="en-US" smtClean="0"/>
-              <a:t>3/3/22</a:t>
+              <a:t>6/1/22</a:t>
             </a:fld>
             <a:endParaRPr lang="en-US"/>
           </a:p>
@@ -1405,7 +1406,7 @@
           <a:p>
             <a:fld id="{EE5523E2-5D0D-1B46-8B78-D22549DBD23D}" type="datetimeFigureOut">
               <a:rPr lang="en-US" smtClean="0"/>
-              <a:t>3/3/22</a:t>
+              <a:t>6/1/22</a:t>
             </a:fld>
             <a:endParaRPr lang="en-US"/>
           </a:p>
@@ -1817,7 +1818,7 @@
           <a:p>
             <a:fld id="{EE5523E2-5D0D-1B46-8B78-D22549DBD23D}" type="datetimeFigureOut">
               <a:rPr lang="en-US" smtClean="0"/>
-              <a:t>3/3/22</a:t>
+              <a:t>6/1/22</a:t>
             </a:fld>
             <a:endParaRPr lang="en-US"/>
           </a:p>
@@ -1958,7 +1959,7 @@
           <a:p>
             <a:fld id="{EE5523E2-5D0D-1B46-8B78-D22549DBD23D}" type="datetimeFigureOut">
               <a:rPr lang="en-US" smtClean="0"/>
-              <a:t>3/3/22</a:t>
+              <a:t>6/1/22</a:t>
             </a:fld>
             <a:endParaRPr lang="en-US"/>
           </a:p>
@@ -2071,7 +2072,7 @@
           <a:p>
             <a:fld id="{EE5523E2-5D0D-1B46-8B78-D22549DBD23D}" type="datetimeFigureOut">
               <a:rPr lang="en-US" smtClean="0"/>
-              <a:t>3/3/22</a:t>
+              <a:t>6/1/22</a:t>
             </a:fld>
             <a:endParaRPr lang="en-US"/>
           </a:p>
@@ -2382,7 +2383,7 @@
           <a:p>
             <a:fld id="{EE5523E2-5D0D-1B46-8B78-D22549DBD23D}" type="datetimeFigureOut">
               <a:rPr lang="en-US" smtClean="0"/>
-              <a:t>3/3/22</a:t>
+              <a:t>6/1/22</a:t>
             </a:fld>
             <a:endParaRPr lang="en-US"/>
           </a:p>
@@ -2670,7 +2671,7 @@
           <a:p>
             <a:fld id="{EE5523E2-5D0D-1B46-8B78-D22549DBD23D}" type="datetimeFigureOut">
               <a:rPr lang="en-US" smtClean="0"/>
-              <a:t>3/3/22</a:t>
+              <a:t>6/1/22</a:t>
             </a:fld>
             <a:endParaRPr lang="en-US"/>
           </a:p>
@@ -2911,7 +2912,7 @@
           <a:p>
             <a:fld id="{EE5523E2-5D0D-1B46-8B78-D22549DBD23D}" type="datetimeFigureOut">
               <a:rPr lang="en-US" smtClean="0"/>
-              <a:t>3/3/22</a:t>
+              <a:t>6/1/22</a:t>
             </a:fld>
             <a:endParaRPr lang="en-US"/>
           </a:p>
@@ -3351,7 +3352,7 @@
           <a:p>
             <a:r>
               <a:rPr lang="en-US" dirty="0"/>
-              <a:t>Real Estate Contract – Parties Involved</a:t>
+              <a:t>Real Estate Contract</a:t>
             </a:r>
           </a:p>
         </p:txBody>
@@ -3374,8 +3375,34 @@
         </p:nvSpPr>
         <p:spPr/>
         <p:txBody>
-          <a:bodyPr/>
-          <a:lstStyle/>
+          <a:bodyPr>
+            <a:normAutofit lnSpcReduction="10000"/>
+          </a:bodyPr>
+          <a:lstStyle/>
+          <a:p>
+            <a:pPr marL="0" indent="0">
+              <a:buNone/>
+            </a:pPr>
+            <a:r>
+              <a:rPr lang="en-US" dirty="0"/>
+              <a:t>Problem – the operations of real estate transactions currently is inefficient due to complex nature of having many parties involved. We believe that a decentralized application can help reduce the time for completion and increase transparency in the process. </a:t>
+            </a:r>
+          </a:p>
+          <a:p>
+            <a:pPr marL="0" indent="0">
+              <a:buNone/>
+            </a:pPr>
+            <a:endParaRPr lang="en-US" dirty="0"/>
+          </a:p>
+          <a:p>
+            <a:pPr marL="0" indent="0">
+              <a:buNone/>
+            </a:pPr>
+            <a:r>
+              <a:rPr lang="en-US" dirty="0"/>
+              <a:t>Number of parties involved: </a:t>
+            </a:r>
+          </a:p>
           <a:p>
             <a:r>
               <a:rPr lang="en-US" dirty="0"/>
@@ -3432,133 +3459,77 @@
           <a:chExt cx="0" cy="0"/>
         </a:xfrm>
       </p:grpSpPr>
-      <p:pic>
-        <p:nvPicPr>
-          <p:cNvPr id="5" name="Graphic 4" descr="Contract">
-            <a:extLst>
-              <a:ext uri="{FF2B5EF4-FFF2-40B4-BE49-F238E27FC236}">
-                <a16:creationId xmlns:a16="http://schemas.microsoft.com/office/drawing/2014/main" id="{C0C12D58-32BB-324E-A120-D6DA9B8E4B83}"/>
-              </a:ext>
-            </a:extLst>
-          </p:cNvPr>
-          <p:cNvPicPr>
-            <a:picLocks noChangeAspect="1"/>
-          </p:cNvPicPr>
-          <p:nvPr/>
-        </p:nvPicPr>
-        <p:blipFill>
-          <a:blip r:embed="rId2">
-            <a:extLst>
-              <a:ext uri="{96DAC541-7B7A-43D3-8B79-37D633B846F1}">
-                <asvg:svgBlip xmlns:asvg="http://schemas.microsoft.com/office/drawing/2016/SVG/main" r:embed="rId3"/>
-              </a:ext>
-            </a:extLst>
-          </a:blip>
-          <a:stretch>
-            <a:fillRect/>
-          </a:stretch>
-        </p:blipFill>
-        <p:spPr>
-          <a:xfrm>
-            <a:off x="2302475" y="1756718"/>
-            <a:ext cx="2998573" cy="2998573"/>
-          </a:xfrm>
-          <a:prstGeom prst="rect">
-            <a:avLst/>
-          </a:prstGeom>
-        </p:spPr>
-      </p:pic>
-      <p:sp>
-        <p:nvSpPr>
-          <p:cNvPr id="6" name="TextBox 5">
-            <a:extLst>
-              <a:ext uri="{FF2B5EF4-FFF2-40B4-BE49-F238E27FC236}">
-                <a16:creationId xmlns:a16="http://schemas.microsoft.com/office/drawing/2014/main" id="{AE5BC647-B503-5142-A036-EA31E81CF2C8}"/>
-              </a:ext>
-            </a:extLst>
-          </p:cNvPr>
-          <p:cNvSpPr txBox="1"/>
-          <p:nvPr/>
-        </p:nvSpPr>
-        <p:spPr>
-          <a:xfrm>
-            <a:off x="5906530" y="1656833"/>
-            <a:ext cx="4584356" cy="2308324"/>
-          </a:xfrm>
-          <a:prstGeom prst="rect">
-            <a:avLst/>
-          </a:prstGeom>
-          <a:noFill/>
-        </p:spPr>
-        <p:txBody>
-          <a:bodyPr wrap="square" rtlCol="0">
-            <a:spAutoFit/>
-          </a:bodyPr>
+      <p:sp>
+        <p:nvSpPr>
+          <p:cNvPr id="2" name="Title 1">
+            <a:extLst>
+              <a:ext uri="{FF2B5EF4-FFF2-40B4-BE49-F238E27FC236}">
+                <a16:creationId xmlns:a16="http://schemas.microsoft.com/office/drawing/2014/main" id="{22ABD0C1-4DB8-684E-8501-DD1A5BCAB956}"/>
+              </a:ext>
+            </a:extLst>
+          </p:cNvPr>
+          <p:cNvSpPr>
+            <a:spLocks noGrp="1"/>
+          </p:cNvSpPr>
+          <p:nvPr>
+            <p:ph type="title"/>
+          </p:nvPr>
+        </p:nvSpPr>
+        <p:spPr/>
+        <p:txBody>
+          <a:bodyPr/>
           <a:lstStyle/>
           <a:p>
             <a:r>
               <a:rPr lang="en-US" dirty="0"/>
-              <a:t>Seller Posts a Property</a:t>
-            </a:r>
-          </a:p>
-          <a:p>
-            <a:endParaRPr lang="en-US" dirty="0"/>
-          </a:p>
+              <a:t>Benefits of Using Blockchain for Real Estate</a:t>
+            </a:r>
+          </a:p>
+        </p:txBody>
+      </p:sp>
+      <p:sp>
+        <p:nvSpPr>
+          <p:cNvPr id="3" name="Content Placeholder 2">
+            <a:extLst>
+              <a:ext uri="{FF2B5EF4-FFF2-40B4-BE49-F238E27FC236}">
+                <a16:creationId xmlns:a16="http://schemas.microsoft.com/office/drawing/2014/main" id="{216B6A3A-0ED0-0940-828A-AE49B3FED4C9}"/>
+              </a:ext>
+            </a:extLst>
+          </p:cNvPr>
+          <p:cNvSpPr>
+            <a:spLocks noGrp="1"/>
+          </p:cNvSpPr>
+          <p:nvPr>
+            <p:ph idx="1"/>
+          </p:nvPr>
+        </p:nvSpPr>
+        <p:spPr/>
+        <p:txBody>
+          <a:bodyPr/>
+          <a:lstStyle/>
           <a:p>
             <a:r>
               <a:rPr lang="en-US" dirty="0"/>
-              <a:t>Buyer to Apply</a:t>
-            </a:r>
-          </a:p>
-          <a:p>
-            <a:endParaRPr lang="en-US" dirty="0"/>
-          </a:p>
-          <a:p>
+              <a:t>Transparency</a:t>
+            </a:r>
+          </a:p>
+          <a:p>
+            <a:pPr lvl="1"/>
             <a:r>
               <a:rPr lang="en-US" dirty="0"/>
-              <a:t>Inspector to Certify the Property</a:t>
-            </a:r>
-          </a:p>
-          <a:p>
-            <a:endParaRPr lang="en-US" dirty="0"/>
+              <a:t>All transactions are recorded such as buyers can view other offers, inspection records, history of ownership, etc. </a:t>
+            </a:r>
           </a:p>
           <a:p>
             <a:r>
               <a:rPr lang="en-US" dirty="0"/>
-              <a:t>Lender to Approve -&gt; Funds Go To Seller -&gt; Property Transfers to Buyer</a:t>
-            </a:r>
-          </a:p>
-        </p:txBody>
-      </p:sp>
-      <p:sp>
-        <p:nvSpPr>
-          <p:cNvPr id="4" name="Title 1">
-            <a:extLst>
-              <a:ext uri="{FF2B5EF4-FFF2-40B4-BE49-F238E27FC236}">
-                <a16:creationId xmlns:a16="http://schemas.microsoft.com/office/drawing/2014/main" id="{CE4AFE0A-8914-864C-8ADF-7FDDB0963F87}"/>
-              </a:ext>
-            </a:extLst>
-          </p:cNvPr>
-          <p:cNvSpPr>
-            <a:spLocks noGrp="1"/>
-          </p:cNvSpPr>
-          <p:nvPr>
-            <p:ph type="title"/>
-          </p:nvPr>
-        </p:nvSpPr>
-        <p:spPr>
-          <a:xfrm>
-            <a:off x="838200" y="365125"/>
-            <a:ext cx="10515600" cy="1325563"/>
-          </a:xfrm>
-        </p:spPr>
-        <p:txBody>
-          <a:bodyPr/>
-          <a:lstStyle/>
+              <a:t>All parties can view status</a:t>
+            </a:r>
+          </a:p>
           <a:p>
             <a:r>
               <a:rPr lang="en-US" dirty="0"/>
-              <a:t>Process</a:t>
+              <a:t>Ownership and funds exchange hands when the process is complete</a:t>
             </a:r>
           </a:p>
         </p:txBody>
@@ -3566,7 +3537,7 @@
     </p:spTree>
     <p:extLst>
       <p:ext uri="{BB962C8B-B14F-4D97-AF65-F5344CB8AC3E}">
-        <p14:creationId xmlns:p14="http://schemas.microsoft.com/office/powerpoint/2010/main" val="2724668543"/>
+        <p14:creationId xmlns:p14="http://schemas.microsoft.com/office/powerpoint/2010/main" val="2220401537"/>
       </p:ext>
     </p:extLst>
   </p:cSld>
@@ -3577,6 +3548,528 @@
 </file>
 
 <file path=ppt/slides/slide3.xml><?xml version="1.0" encoding="utf-8"?>
+<p:sld xmlns:a="http://schemas.openxmlformats.org/drawingml/2006/main" xmlns:r="http://schemas.openxmlformats.org/officeDocument/2006/relationships" xmlns:p="http://schemas.openxmlformats.org/presentationml/2006/main">
+  <p:cSld>
+    <p:spTree>
+      <p:nvGrpSpPr>
+        <p:cNvPr id="1" name=""/>
+        <p:cNvGrpSpPr/>
+        <p:nvPr/>
+      </p:nvGrpSpPr>
+      <p:grpSpPr>
+        <a:xfrm>
+          <a:off x="0" y="0"/>
+          <a:ext cx="0" cy="0"/>
+          <a:chOff x="0" y="0"/>
+          <a:chExt cx="0" cy="0"/>
+        </a:xfrm>
+      </p:grpSpPr>
+      <p:sp>
+        <p:nvSpPr>
+          <p:cNvPr id="4" name="Title 1">
+            <a:extLst>
+              <a:ext uri="{FF2B5EF4-FFF2-40B4-BE49-F238E27FC236}">
+                <a16:creationId xmlns:a16="http://schemas.microsoft.com/office/drawing/2014/main" id="{CE4AFE0A-8914-864C-8ADF-7FDDB0963F87}"/>
+              </a:ext>
+            </a:extLst>
+          </p:cNvPr>
+          <p:cNvSpPr>
+            <a:spLocks noGrp="1"/>
+          </p:cNvSpPr>
+          <p:nvPr>
+            <p:ph type="title"/>
+          </p:nvPr>
+        </p:nvSpPr>
+        <p:spPr>
+          <a:xfrm>
+            <a:off x="838200" y="365125"/>
+            <a:ext cx="10515600" cy="1325563"/>
+          </a:xfrm>
+        </p:spPr>
+        <p:txBody>
+          <a:bodyPr/>
+          <a:lstStyle/>
+          <a:p>
+            <a:r>
+              <a:rPr lang="en-US" dirty="0"/>
+              <a:t>Process</a:t>
+            </a:r>
+          </a:p>
+        </p:txBody>
+      </p:sp>
+      <p:sp>
+        <p:nvSpPr>
+          <p:cNvPr id="2" name="Rectangle 1">
+            <a:extLst>
+              <a:ext uri="{FF2B5EF4-FFF2-40B4-BE49-F238E27FC236}">
+                <a16:creationId xmlns:a16="http://schemas.microsoft.com/office/drawing/2014/main" id="{DB19CBB1-3695-7747-93FD-BC3AACF3F811}"/>
+              </a:ext>
+            </a:extLst>
+          </p:cNvPr>
+          <p:cNvSpPr/>
+          <p:nvPr/>
+        </p:nvSpPr>
+        <p:spPr>
+          <a:xfrm>
+            <a:off x="1063487" y="3396416"/>
+            <a:ext cx="1938130" cy="1321905"/>
+          </a:xfrm>
+          <a:prstGeom prst="rect">
+            <a:avLst/>
+          </a:prstGeom>
+        </p:spPr>
+        <p:style>
+          <a:lnRef idx="2">
+            <a:schemeClr val="accent1">
+              <a:shade val="50000"/>
+            </a:schemeClr>
+          </a:lnRef>
+          <a:fillRef idx="1">
+            <a:schemeClr val="accent1"/>
+          </a:fillRef>
+          <a:effectRef idx="0">
+            <a:schemeClr val="accent1"/>
+          </a:effectRef>
+          <a:fontRef idx="minor">
+            <a:schemeClr val="lt1"/>
+          </a:fontRef>
+        </p:style>
+        <p:txBody>
+          <a:bodyPr rtlCol="0" anchor="ctr"/>
+          <a:lstStyle/>
+          <a:p>
+            <a:pPr algn="ctr"/>
+            <a:r>
+              <a:rPr lang="en-US" dirty="0"/>
+              <a:t>Seller lists property</a:t>
+            </a:r>
+          </a:p>
+        </p:txBody>
+      </p:sp>
+      <p:sp>
+        <p:nvSpPr>
+          <p:cNvPr id="7" name="Rectangle 6">
+            <a:extLst>
+              <a:ext uri="{FF2B5EF4-FFF2-40B4-BE49-F238E27FC236}">
+                <a16:creationId xmlns:a16="http://schemas.microsoft.com/office/drawing/2014/main" id="{37846C43-7741-5646-9477-ABA05200CBBD}"/>
+              </a:ext>
+            </a:extLst>
+          </p:cNvPr>
+          <p:cNvSpPr/>
+          <p:nvPr/>
+        </p:nvSpPr>
+        <p:spPr>
+          <a:xfrm>
+            <a:off x="3425508" y="2580549"/>
+            <a:ext cx="1938130" cy="1321905"/>
+          </a:xfrm>
+          <a:prstGeom prst="rect">
+            <a:avLst/>
+          </a:prstGeom>
+        </p:spPr>
+        <p:style>
+          <a:lnRef idx="2">
+            <a:schemeClr val="accent1">
+              <a:shade val="50000"/>
+            </a:schemeClr>
+          </a:lnRef>
+          <a:fillRef idx="1">
+            <a:schemeClr val="accent1"/>
+          </a:fillRef>
+          <a:effectRef idx="0">
+            <a:schemeClr val="accent1"/>
+          </a:effectRef>
+          <a:fontRef idx="minor">
+            <a:schemeClr val="lt1"/>
+          </a:fontRef>
+        </p:style>
+        <p:txBody>
+          <a:bodyPr rtlCol="0" anchor="ctr"/>
+          <a:lstStyle/>
+          <a:p>
+            <a:pPr algn="ctr"/>
+            <a:r>
+              <a:rPr lang="en-US" dirty="0"/>
+              <a:t>Inspector inspects property</a:t>
+            </a:r>
+          </a:p>
+        </p:txBody>
+      </p:sp>
+      <p:sp>
+        <p:nvSpPr>
+          <p:cNvPr id="8" name="Rectangle 7">
+            <a:extLst>
+              <a:ext uri="{FF2B5EF4-FFF2-40B4-BE49-F238E27FC236}">
+                <a16:creationId xmlns:a16="http://schemas.microsoft.com/office/drawing/2014/main" id="{47ED684D-CC25-5441-B37E-9BC36969D5E9}"/>
+              </a:ext>
+            </a:extLst>
+          </p:cNvPr>
+          <p:cNvSpPr/>
+          <p:nvPr/>
+        </p:nvSpPr>
+        <p:spPr>
+          <a:xfrm>
+            <a:off x="3425508" y="4216394"/>
+            <a:ext cx="1938130" cy="1321905"/>
+          </a:xfrm>
+          <a:prstGeom prst="rect">
+            <a:avLst/>
+          </a:prstGeom>
+        </p:spPr>
+        <p:style>
+          <a:lnRef idx="2">
+            <a:schemeClr val="accent1">
+              <a:shade val="50000"/>
+            </a:schemeClr>
+          </a:lnRef>
+          <a:fillRef idx="1">
+            <a:schemeClr val="accent1"/>
+          </a:fillRef>
+          <a:effectRef idx="0">
+            <a:schemeClr val="accent1"/>
+          </a:effectRef>
+          <a:fontRef idx="minor">
+            <a:schemeClr val="lt1"/>
+          </a:fontRef>
+        </p:style>
+        <p:txBody>
+          <a:bodyPr rtlCol="0" anchor="ctr"/>
+          <a:lstStyle/>
+          <a:p>
+            <a:pPr algn="ctr"/>
+            <a:r>
+              <a:rPr lang="en-US" dirty="0"/>
+              <a:t>Buyer applies</a:t>
+            </a:r>
+          </a:p>
+        </p:txBody>
+      </p:sp>
+      <p:sp>
+        <p:nvSpPr>
+          <p:cNvPr id="9" name="Rectangle 8">
+            <a:extLst>
+              <a:ext uri="{FF2B5EF4-FFF2-40B4-BE49-F238E27FC236}">
+                <a16:creationId xmlns:a16="http://schemas.microsoft.com/office/drawing/2014/main" id="{90E81E2E-BA60-F749-A4F0-F6AF58A03C30}"/>
+              </a:ext>
+            </a:extLst>
+          </p:cNvPr>
+          <p:cNvSpPr/>
+          <p:nvPr/>
+        </p:nvSpPr>
+        <p:spPr>
+          <a:xfrm>
+            <a:off x="5787529" y="4221363"/>
+            <a:ext cx="1938130" cy="1321905"/>
+          </a:xfrm>
+          <a:prstGeom prst="rect">
+            <a:avLst/>
+          </a:prstGeom>
+        </p:spPr>
+        <p:style>
+          <a:lnRef idx="2">
+            <a:schemeClr val="accent1">
+              <a:shade val="50000"/>
+            </a:schemeClr>
+          </a:lnRef>
+          <a:fillRef idx="1">
+            <a:schemeClr val="accent1"/>
+          </a:fillRef>
+          <a:effectRef idx="0">
+            <a:schemeClr val="accent1"/>
+          </a:effectRef>
+          <a:fontRef idx="minor">
+            <a:schemeClr val="lt1"/>
+          </a:fontRef>
+        </p:style>
+        <p:txBody>
+          <a:bodyPr rtlCol="0" anchor="ctr"/>
+          <a:lstStyle/>
+          <a:p>
+            <a:pPr algn="ctr"/>
+            <a:r>
+              <a:rPr lang="en-US" dirty="0"/>
+              <a:t>Lender approves</a:t>
+            </a:r>
+          </a:p>
+        </p:txBody>
+      </p:sp>
+      <p:sp>
+        <p:nvSpPr>
+          <p:cNvPr id="10" name="Rectangle 9">
+            <a:extLst>
+              <a:ext uri="{FF2B5EF4-FFF2-40B4-BE49-F238E27FC236}">
+                <a16:creationId xmlns:a16="http://schemas.microsoft.com/office/drawing/2014/main" id="{9E3CB440-57E3-914B-99D0-8B49DAD8E89B}"/>
+              </a:ext>
+            </a:extLst>
+          </p:cNvPr>
+          <p:cNvSpPr/>
+          <p:nvPr/>
+        </p:nvSpPr>
+        <p:spPr>
+          <a:xfrm>
+            <a:off x="8149550" y="3396415"/>
+            <a:ext cx="1938130" cy="1321905"/>
+          </a:xfrm>
+          <a:prstGeom prst="rect">
+            <a:avLst/>
+          </a:prstGeom>
+        </p:spPr>
+        <p:style>
+          <a:lnRef idx="2">
+            <a:schemeClr val="accent1">
+              <a:shade val="50000"/>
+            </a:schemeClr>
+          </a:lnRef>
+          <a:fillRef idx="1">
+            <a:schemeClr val="accent1"/>
+          </a:fillRef>
+          <a:effectRef idx="0">
+            <a:schemeClr val="accent1"/>
+          </a:effectRef>
+          <a:fontRef idx="minor">
+            <a:schemeClr val="lt1"/>
+          </a:fontRef>
+        </p:style>
+        <p:txBody>
+          <a:bodyPr rtlCol="0" anchor="ctr"/>
+          <a:lstStyle/>
+          <a:p>
+            <a:pPr algn="ctr"/>
+            <a:r>
+              <a:rPr lang="en-US" dirty="0"/>
+              <a:t>Funds go to seller and property title transfers to buyer</a:t>
+            </a:r>
+          </a:p>
+        </p:txBody>
+      </p:sp>
+      <p:cxnSp>
+        <p:nvCxnSpPr>
+          <p:cNvPr id="11" name="Straight Arrow Connector 10">
+            <a:extLst>
+              <a:ext uri="{FF2B5EF4-FFF2-40B4-BE49-F238E27FC236}">
+                <a16:creationId xmlns:a16="http://schemas.microsoft.com/office/drawing/2014/main" id="{CC6498F7-22BE-5A4D-9B56-C6E314302F11}"/>
+              </a:ext>
+            </a:extLst>
+          </p:cNvPr>
+          <p:cNvCxnSpPr>
+            <a:stCxn id="2" idx="3"/>
+            <a:endCxn id="8" idx="1"/>
+          </p:cNvCxnSpPr>
+          <p:nvPr/>
+        </p:nvCxnSpPr>
+        <p:spPr>
+          <a:xfrm>
+            <a:off x="3001617" y="4057369"/>
+            <a:ext cx="423891" cy="819978"/>
+          </a:xfrm>
+          <a:prstGeom prst="straightConnector1">
+            <a:avLst/>
+          </a:prstGeom>
+          <a:ln>
+            <a:tailEnd type="triangle"/>
+          </a:ln>
+        </p:spPr>
+        <p:style>
+          <a:lnRef idx="1">
+            <a:schemeClr val="accent1"/>
+          </a:lnRef>
+          <a:fillRef idx="0">
+            <a:schemeClr val="accent1"/>
+          </a:fillRef>
+          <a:effectRef idx="0">
+            <a:schemeClr val="accent1"/>
+          </a:effectRef>
+          <a:fontRef idx="minor">
+            <a:schemeClr val="tx1"/>
+          </a:fontRef>
+        </p:style>
+      </p:cxnSp>
+      <p:cxnSp>
+        <p:nvCxnSpPr>
+          <p:cNvPr id="12" name="Straight Arrow Connector 11">
+            <a:extLst>
+              <a:ext uri="{FF2B5EF4-FFF2-40B4-BE49-F238E27FC236}">
+                <a16:creationId xmlns:a16="http://schemas.microsoft.com/office/drawing/2014/main" id="{6F146DE4-471A-CC43-8C6A-1E533AE512A3}"/>
+              </a:ext>
+            </a:extLst>
+          </p:cNvPr>
+          <p:cNvCxnSpPr>
+            <a:cxnSpLocks/>
+            <a:stCxn id="2" idx="3"/>
+            <a:endCxn id="7" idx="1"/>
+          </p:cNvCxnSpPr>
+          <p:nvPr/>
+        </p:nvCxnSpPr>
+        <p:spPr>
+          <a:xfrm flipV="1">
+            <a:off x="3001617" y="3241502"/>
+            <a:ext cx="423891" cy="815867"/>
+          </a:xfrm>
+          <a:prstGeom prst="straightConnector1">
+            <a:avLst/>
+          </a:prstGeom>
+          <a:ln>
+            <a:tailEnd type="triangle"/>
+          </a:ln>
+        </p:spPr>
+        <p:style>
+          <a:lnRef idx="1">
+            <a:schemeClr val="accent1"/>
+          </a:lnRef>
+          <a:fillRef idx="0">
+            <a:schemeClr val="accent1"/>
+          </a:fillRef>
+          <a:effectRef idx="0">
+            <a:schemeClr val="accent1"/>
+          </a:effectRef>
+          <a:fontRef idx="minor">
+            <a:schemeClr val="tx1"/>
+          </a:fontRef>
+        </p:style>
+      </p:cxnSp>
+      <p:cxnSp>
+        <p:nvCxnSpPr>
+          <p:cNvPr id="15" name="Straight Arrow Connector 14">
+            <a:extLst>
+              <a:ext uri="{FF2B5EF4-FFF2-40B4-BE49-F238E27FC236}">
+                <a16:creationId xmlns:a16="http://schemas.microsoft.com/office/drawing/2014/main" id="{D0B96537-ED02-B84E-BF90-43D34FAE6746}"/>
+              </a:ext>
+            </a:extLst>
+          </p:cNvPr>
+          <p:cNvCxnSpPr>
+            <a:cxnSpLocks/>
+            <a:stCxn id="7" idx="3"/>
+            <a:endCxn id="10" idx="1"/>
+          </p:cNvCxnSpPr>
+          <p:nvPr/>
+        </p:nvCxnSpPr>
+        <p:spPr>
+          <a:xfrm>
+            <a:off x="5363638" y="3241502"/>
+            <a:ext cx="2785912" cy="815866"/>
+          </a:xfrm>
+          <a:prstGeom prst="straightConnector1">
+            <a:avLst/>
+          </a:prstGeom>
+          <a:ln>
+            <a:tailEnd type="triangle"/>
+          </a:ln>
+        </p:spPr>
+        <p:style>
+          <a:lnRef idx="1">
+            <a:schemeClr val="accent1"/>
+          </a:lnRef>
+          <a:fillRef idx="0">
+            <a:schemeClr val="accent1"/>
+          </a:fillRef>
+          <a:effectRef idx="0">
+            <a:schemeClr val="accent1"/>
+          </a:effectRef>
+          <a:fontRef idx="minor">
+            <a:schemeClr val="tx1"/>
+          </a:fontRef>
+        </p:style>
+      </p:cxnSp>
+      <p:cxnSp>
+        <p:nvCxnSpPr>
+          <p:cNvPr id="18" name="Straight Arrow Connector 17">
+            <a:extLst>
+              <a:ext uri="{FF2B5EF4-FFF2-40B4-BE49-F238E27FC236}">
+                <a16:creationId xmlns:a16="http://schemas.microsoft.com/office/drawing/2014/main" id="{DBA4C43C-2793-8643-B73E-96425DB199E0}"/>
+              </a:ext>
+            </a:extLst>
+          </p:cNvPr>
+          <p:cNvCxnSpPr>
+            <a:cxnSpLocks/>
+            <a:stCxn id="8" idx="3"/>
+            <a:endCxn id="9" idx="1"/>
+          </p:cNvCxnSpPr>
+          <p:nvPr/>
+        </p:nvCxnSpPr>
+        <p:spPr>
+          <a:xfrm>
+            <a:off x="5363638" y="4877347"/>
+            <a:ext cx="423891" cy="4969"/>
+          </a:xfrm>
+          <a:prstGeom prst="straightConnector1">
+            <a:avLst/>
+          </a:prstGeom>
+          <a:ln>
+            <a:tailEnd type="triangle"/>
+          </a:ln>
+        </p:spPr>
+        <p:style>
+          <a:lnRef idx="1">
+            <a:schemeClr val="accent1"/>
+          </a:lnRef>
+          <a:fillRef idx="0">
+            <a:schemeClr val="accent1"/>
+          </a:fillRef>
+          <a:effectRef idx="0">
+            <a:schemeClr val="accent1"/>
+          </a:effectRef>
+          <a:fontRef idx="minor">
+            <a:schemeClr val="tx1"/>
+          </a:fontRef>
+        </p:style>
+      </p:cxnSp>
+      <p:cxnSp>
+        <p:nvCxnSpPr>
+          <p:cNvPr id="21" name="Straight Arrow Connector 20">
+            <a:extLst>
+              <a:ext uri="{FF2B5EF4-FFF2-40B4-BE49-F238E27FC236}">
+                <a16:creationId xmlns:a16="http://schemas.microsoft.com/office/drawing/2014/main" id="{8D1C7CF9-2ED1-B146-9618-8EF7BA091168}"/>
+              </a:ext>
+            </a:extLst>
+          </p:cNvPr>
+          <p:cNvCxnSpPr>
+            <a:cxnSpLocks/>
+            <a:stCxn id="9" idx="3"/>
+            <a:endCxn id="10" idx="1"/>
+          </p:cNvCxnSpPr>
+          <p:nvPr/>
+        </p:nvCxnSpPr>
+        <p:spPr>
+          <a:xfrm flipV="1">
+            <a:off x="7725659" y="4057368"/>
+            <a:ext cx="423891" cy="824948"/>
+          </a:xfrm>
+          <a:prstGeom prst="straightConnector1">
+            <a:avLst/>
+          </a:prstGeom>
+          <a:ln>
+            <a:tailEnd type="triangle"/>
+          </a:ln>
+        </p:spPr>
+        <p:style>
+          <a:lnRef idx="1">
+            <a:schemeClr val="accent1"/>
+          </a:lnRef>
+          <a:fillRef idx="0">
+            <a:schemeClr val="accent1"/>
+          </a:fillRef>
+          <a:effectRef idx="0">
+            <a:schemeClr val="accent1"/>
+          </a:effectRef>
+          <a:fontRef idx="minor">
+            <a:schemeClr val="tx1"/>
+          </a:fontRef>
+        </p:style>
+      </p:cxnSp>
+    </p:spTree>
+    <p:extLst>
+      <p:ext uri="{BB962C8B-B14F-4D97-AF65-F5344CB8AC3E}">
+        <p14:creationId xmlns:p14="http://schemas.microsoft.com/office/powerpoint/2010/main" val="1780960768"/>
+      </p:ext>
+    </p:extLst>
+  </p:cSld>
+  <p:clrMapOvr>
+    <a:masterClrMapping/>
+  </p:clrMapOvr>
+</p:sld>
+</file>
+
+<file path=ppt/slides/slide4.xml><?xml version="1.0" encoding="utf-8"?>
 <p:sld xmlns:a="http://schemas.openxmlformats.org/drawingml/2006/main" xmlns:r="http://schemas.openxmlformats.org/officeDocument/2006/relationships" xmlns:p="http://schemas.openxmlformats.org/presentationml/2006/main">
   <p:cSld>
     <p:spTree>
